--- a/fig/2-sensorless-icm/systemoverview.pptx
+++ b/fig/2-sensorless-icm/systemoverview.pptx
@@ -243,7 +243,7 @@
           <a:p>
             <a:fld id="{CB85A734-6A8A-4A90-8361-480120686AE9}" type="datetimeFigureOut">
               <a:rPr kumimoji="1" lang="ja-JP" altLang="en-US" smtClean="0"/>
-              <a:t>2023/1/9</a:t>
+              <a:t>2023/1/13</a:t>
             </a:fld>
             <a:endParaRPr kumimoji="1" lang="ja-JP" altLang="en-US"/>
           </a:p>
@@ -445,7 +445,7 @@
           <a:p>
             <a:fld id="{CB85A734-6A8A-4A90-8361-480120686AE9}" type="datetimeFigureOut">
               <a:rPr kumimoji="1" lang="ja-JP" altLang="en-US" smtClean="0"/>
-              <a:t>2023/1/9</a:t>
+              <a:t>2023/1/13</a:t>
             </a:fld>
             <a:endParaRPr kumimoji="1" lang="ja-JP" altLang="en-US"/>
           </a:p>
@@ -657,7 +657,7 @@
           <a:p>
             <a:fld id="{CB85A734-6A8A-4A90-8361-480120686AE9}" type="datetimeFigureOut">
               <a:rPr kumimoji="1" lang="ja-JP" altLang="en-US" smtClean="0"/>
-              <a:t>2023/1/9</a:t>
+              <a:t>2023/1/13</a:t>
             </a:fld>
             <a:endParaRPr kumimoji="1" lang="ja-JP" altLang="en-US"/>
           </a:p>
@@ -859,7 +859,7 @@
           <a:p>
             <a:fld id="{CB85A734-6A8A-4A90-8361-480120686AE9}" type="datetimeFigureOut">
               <a:rPr kumimoji="1" lang="ja-JP" altLang="en-US" smtClean="0"/>
-              <a:t>2023/1/9</a:t>
+              <a:t>2023/1/13</a:t>
             </a:fld>
             <a:endParaRPr kumimoji="1" lang="ja-JP" altLang="en-US"/>
           </a:p>
@@ -1105,7 +1105,7 @@
           <a:p>
             <a:fld id="{CB85A734-6A8A-4A90-8361-480120686AE9}" type="datetimeFigureOut">
               <a:rPr kumimoji="1" lang="ja-JP" altLang="en-US" smtClean="0"/>
-              <a:t>2023/1/9</a:t>
+              <a:t>2023/1/13</a:t>
             </a:fld>
             <a:endParaRPr kumimoji="1" lang="ja-JP" altLang="en-US"/>
           </a:p>
@@ -1401,7 +1401,7 @@
           <a:p>
             <a:fld id="{CB85A734-6A8A-4A90-8361-480120686AE9}" type="datetimeFigureOut">
               <a:rPr kumimoji="1" lang="ja-JP" altLang="en-US" smtClean="0"/>
-              <a:t>2023/1/9</a:t>
+              <a:t>2023/1/13</a:t>
             </a:fld>
             <a:endParaRPr kumimoji="1" lang="ja-JP" altLang="en-US"/>
           </a:p>
@@ -1832,7 +1832,7 @@
           <a:p>
             <a:fld id="{CB85A734-6A8A-4A90-8361-480120686AE9}" type="datetimeFigureOut">
               <a:rPr kumimoji="1" lang="ja-JP" altLang="en-US" smtClean="0"/>
-              <a:t>2023/1/9</a:t>
+              <a:t>2023/1/13</a:t>
             </a:fld>
             <a:endParaRPr kumimoji="1" lang="ja-JP" altLang="en-US"/>
           </a:p>
@@ -1950,7 +1950,7 @@
           <a:p>
             <a:fld id="{CB85A734-6A8A-4A90-8361-480120686AE9}" type="datetimeFigureOut">
               <a:rPr kumimoji="1" lang="ja-JP" altLang="en-US" smtClean="0"/>
-              <a:t>2023/1/9</a:t>
+              <a:t>2023/1/13</a:t>
             </a:fld>
             <a:endParaRPr kumimoji="1" lang="ja-JP" altLang="en-US"/>
           </a:p>
@@ -2045,7 +2045,7 @@
           <a:p>
             <a:fld id="{CB85A734-6A8A-4A90-8361-480120686AE9}" type="datetimeFigureOut">
               <a:rPr kumimoji="1" lang="ja-JP" altLang="en-US" smtClean="0"/>
-              <a:t>2023/1/9</a:t>
+              <a:t>2023/1/13</a:t>
             </a:fld>
             <a:endParaRPr kumimoji="1" lang="ja-JP" altLang="en-US"/>
           </a:p>
@@ -2354,7 +2354,7 @@
           <a:p>
             <a:fld id="{CB85A734-6A8A-4A90-8361-480120686AE9}" type="datetimeFigureOut">
               <a:rPr kumimoji="1" lang="ja-JP" altLang="en-US" smtClean="0"/>
-              <a:t>2023/1/9</a:t>
+              <a:t>2023/1/13</a:t>
             </a:fld>
             <a:endParaRPr kumimoji="1" lang="ja-JP" altLang="en-US"/>
           </a:p>
@@ -2611,7 +2611,7 @@
           <a:p>
             <a:fld id="{CB85A734-6A8A-4A90-8361-480120686AE9}" type="datetimeFigureOut">
               <a:rPr kumimoji="1" lang="ja-JP" altLang="en-US" smtClean="0"/>
-              <a:t>2023/1/9</a:t>
+              <a:t>2023/1/13</a:t>
             </a:fld>
             <a:endParaRPr kumimoji="1" lang="ja-JP" altLang="en-US"/>
           </a:p>
@@ -2856,7 +2856,7 @@
           <a:p>
             <a:fld id="{CB85A734-6A8A-4A90-8361-480120686AE9}" type="datetimeFigureOut">
               <a:rPr kumimoji="1" lang="ja-JP" altLang="en-US" smtClean="0"/>
-              <a:t>2023/1/9</a:t>
+              <a:t>2023/1/13</a:t>
             </a:fld>
             <a:endParaRPr kumimoji="1" lang="ja-JP" altLang="en-US"/>
           </a:p>
@@ -3275,8 +3275,8 @@
         </p:nvSpPr>
         <p:spPr>
           <a:xfrm>
-            <a:off x="0" y="-73220"/>
-            <a:ext cx="8999538" cy="2509919"/>
+            <a:off x="0" y="169288"/>
+            <a:ext cx="8999538" cy="2267411"/>
           </a:xfrm>
           <a:prstGeom prst="rect">
             <a:avLst/>
@@ -3332,7 +3332,7 @@
         </p:nvSpPr>
         <p:spPr>
           <a:xfrm>
-            <a:off x="0" y="-59770"/>
+            <a:off x="0" y="9105"/>
             <a:ext cx="8999538" cy="169288"/>
           </a:xfrm>
           <a:prstGeom prst="rect">
